--- a/Snake/Hungry Snake.pptx
+++ b/Snake/Hungry Snake.pptx
@@ -8,8 +8,9 @@
     <p:sldId id="256" r:id="rId2"/>
     <p:sldId id="257" r:id="rId3"/>
     <p:sldId id="258" r:id="rId4"/>
-    <p:sldId id="259" r:id="rId5"/>
-    <p:sldId id="260" r:id="rId6"/>
+    <p:sldId id="261" r:id="rId5"/>
+    <p:sldId id="259" r:id="rId6"/>
+    <p:sldId id="260" r:id="rId7"/>
   </p:sldIdLst>
   <p:sldSz cx="12192000" cy="6858000"/>
   <p:notesSz cx="6858000" cy="9144000"/>
@@ -108,6 +109,11 @@
       </a:defRPr>
     </a:lvl9pPr>
   </p:defaultTextStyle>
+  <p:extLst>
+    <p:ext uri="{EFAFB233-063F-42B5-8137-9DF3F51BA10A}">
+      <p15:sldGuideLst xmlns:p15="http://schemas.microsoft.com/office/powerpoint/2012/main"/>
+    </p:ext>
+  </p:extLst>
 </p:presentation>
 </file>
 
@@ -6178,37 +6184,8 @@
         </p:blipFill>
         <p:spPr>
           <a:xfrm>
-            <a:off x="7426337" y="214922"/>
-            <a:ext cx="3610708" cy="3145178"/>
-          </a:xfrm>
-          <a:prstGeom prst="rect">
-            <a:avLst/>
-          </a:prstGeom>
-        </p:spPr>
-      </p:pic>
-      <p:pic>
-        <p:nvPicPr>
-          <p:cNvPr id="7" name="Picture 6">
-            <a:extLst>
-              <a:ext uri="{FF2B5EF4-FFF2-40B4-BE49-F238E27FC236}">
-                <a16:creationId xmlns:a16="http://schemas.microsoft.com/office/drawing/2014/main" id="{961797B9-D23B-4D9F-B7A6-0A90D8CC9875}"/>
-              </a:ext>
-            </a:extLst>
-          </p:cNvPr>
-          <p:cNvPicPr>
-            <a:picLocks noChangeAspect="1"/>
-          </p:cNvPicPr>
-          <p:nvPr/>
-        </p:nvPicPr>
-        <p:blipFill rotWithShape="1">
-          <a:blip r:embed="rId3"/>
-          <a:srcRect l="37116" t="29059" r="37115" b="31966"/>
-          <a:stretch/>
-        </p:blipFill>
-        <p:spPr>
-          <a:xfrm>
-            <a:off x="7660799" y="3774831"/>
-            <a:ext cx="3141784" cy="2672862"/>
+            <a:off x="6644799" y="1408948"/>
+            <a:ext cx="4903292" cy="4271109"/>
           </a:xfrm>
           <a:prstGeom prst="rect">
             <a:avLst/>
@@ -6301,8 +6278,23 @@
           <a:p>
             <a:r>
               <a:rPr lang="sk-SK" dirty="0"/>
-              <a:t>Pygame event – umožnuje pohyb hada pomocou vybraných kláves alebo aj vypnutie hry.</a:t>
-            </a:r>
+              <a:t>Pygame event – umožnuje pohyb hada a vypnutie hry pomocou vybraných kláves.</a:t>
+            </a:r>
+          </a:p>
+          <a:p>
+            <a:r>
+              <a:rPr lang="sk-SK" dirty="0"/>
+              <a:t>Pygame.KEYDOWN - ak je stlačena klavesa, stane sa činnosť.</a:t>
+            </a:r>
+          </a:p>
+          <a:p>
+            <a:r>
+              <a:rPr lang="sk-SK" dirty="0"/>
+              <a:t>Event.key – umožňuje zadefinovať určitú klávesu.</a:t>
+            </a:r>
+          </a:p>
+          <a:p>
+            <a:endParaRPr lang="sk-SK" dirty="0"/>
           </a:p>
         </p:txBody>
       </p:sp>
@@ -6388,7 +6380,7 @@
           <a:p>
             <a:r>
               <a:rPr lang="sk-SK" dirty="0"/>
-              <a:t>Hranice a podmienka</a:t>
+              <a:t>Podmienka</a:t>
             </a:r>
           </a:p>
         </p:txBody>
@@ -6419,18 +6411,33 @@
           <a:bodyPr/>
           <a:lstStyle/>
           <a:p>
-            <a:r>
-              <a:rPr lang="sk-SK" dirty="0"/>
-              <a:t>Hranice = koniec hracej plochy.</a:t>
-            </a:r>
-          </a:p>
-          <a:p>
+            <a:pPr marL="0" indent="0">
+              <a:buNone/>
+            </a:pPr>
             <a:endParaRPr lang="sk-SK" dirty="0"/>
           </a:p>
           <a:p>
             <a:r>
               <a:rPr lang="sk-SK" dirty="0"/>
               <a:t>Podmienka = keď sú súradnice hada a ovocia rovnaké. </a:t>
+            </a:r>
+          </a:p>
+          <a:p>
+            <a:r>
+              <a:rPr lang="sk-SK" dirty="0"/>
+              <a:t>Pripíše sa 1 bod.</a:t>
+            </a:r>
+          </a:p>
+          <a:p>
+            <a:r>
+              <a:rPr lang="sk-SK" dirty="0"/>
+              <a:t>Jablko zmeni súradnice.</a:t>
+            </a:r>
+          </a:p>
+          <a:p>
+            <a:r>
+              <a:rPr lang="sk-SK" dirty="0"/>
+              <a:t>Zapne sa audio</a:t>
             </a:r>
           </a:p>
         </p:txBody>
@@ -6451,13 +6458,13 @@
         </p:nvPicPr>
         <p:blipFill rotWithShape="1">
           <a:blip r:embed="rId2"/>
-          <a:srcRect l="30022" t="32108" r="32927" b="41909"/>
+          <a:srcRect l="30022" t="45969" r="32927" b="41909"/>
           <a:stretch/>
         </p:blipFill>
         <p:spPr>
           <a:xfrm>
-            <a:off x="5204208" y="2030803"/>
-            <a:ext cx="6644614" cy="2621061"/>
+            <a:off x="4819128" y="2052918"/>
+            <a:ext cx="7128330" cy="1961660"/>
           </a:xfrm>
           <a:prstGeom prst="rect">
             <a:avLst/>
@@ -6499,6 +6506,188 @@
           <p:cNvPr id="2" name="Title 1">
             <a:extLst>
               <a:ext uri="{FF2B5EF4-FFF2-40B4-BE49-F238E27FC236}">
+                <a16:creationId xmlns:a16="http://schemas.microsoft.com/office/drawing/2014/main" id="{2D9BA08C-2A1A-4436-A328-D5A0CDF7034D}"/>
+              </a:ext>
+            </a:extLst>
+          </p:cNvPr>
+          <p:cNvSpPr>
+            <a:spLocks noGrp="1"/>
+          </p:cNvSpPr>
+          <p:nvPr>
+            <p:ph type="title"/>
+          </p:nvPr>
+        </p:nvSpPr>
+        <p:spPr/>
+        <p:txBody>
+          <a:bodyPr/>
+          <a:lstStyle/>
+          <a:p>
+            <a:r>
+              <a:rPr lang="sk-SK" dirty="0"/>
+              <a:t>Prehra</a:t>
+            </a:r>
+          </a:p>
+        </p:txBody>
+      </p:sp>
+      <p:sp>
+        <p:nvSpPr>
+          <p:cNvPr id="3" name="Content Placeholder 2">
+            <a:extLst>
+              <a:ext uri="{FF2B5EF4-FFF2-40B4-BE49-F238E27FC236}">
+                <a16:creationId xmlns:a16="http://schemas.microsoft.com/office/drawing/2014/main" id="{DE8B31B3-1F9B-4C8E-A7DA-7C2CBDB7FFBB}"/>
+              </a:ext>
+            </a:extLst>
+          </p:cNvPr>
+          <p:cNvSpPr>
+            <a:spLocks noGrp="1"/>
+          </p:cNvSpPr>
+          <p:nvPr>
+            <p:ph idx="1"/>
+          </p:nvPr>
+        </p:nvSpPr>
+        <p:spPr>
+          <a:xfrm>
+            <a:off x="789354" y="1524000"/>
+            <a:ext cx="4603261" cy="4724399"/>
+          </a:xfrm>
+        </p:spPr>
+        <p:txBody>
+          <a:bodyPr/>
+          <a:lstStyle/>
+          <a:p>
+            <a:r>
+              <a:rPr lang="sk-SK" dirty="0"/>
+              <a:t>Hra sa na sekunu pozastaví.</a:t>
+            </a:r>
+          </a:p>
+          <a:p>
+            <a:r>
+              <a:rPr lang="sk-SK" dirty="0"/>
+              <a:t>Spusti sa audio.</a:t>
+            </a:r>
+          </a:p>
+          <a:p>
+            <a:r>
+              <a:rPr lang="sk-SK" dirty="0"/>
+              <a:t>Zmeni sa farba plochy.</a:t>
+            </a:r>
+          </a:p>
+          <a:p>
+            <a:r>
+              <a:rPr lang="sk-SK" dirty="0"/>
+              <a:t>Event umožní vypnuť hru.</a:t>
+            </a:r>
+          </a:p>
+          <a:p>
+            <a:r>
+              <a:rPr lang="sk-SK" dirty="0"/>
+              <a:t>Vypíšu sa texty.</a:t>
+            </a:r>
+          </a:p>
+          <a:p>
+            <a:pPr marL="0" indent="0">
+              <a:buNone/>
+            </a:pPr>
+            <a:r>
+              <a:rPr lang="sk-SK" dirty="0"/>
+              <a:t>.</a:t>
+            </a:r>
+          </a:p>
+        </p:txBody>
+      </p:sp>
+      <p:pic>
+        <p:nvPicPr>
+          <p:cNvPr id="4" name="Picture 3">
+            <a:extLst>
+              <a:ext uri="{FF2B5EF4-FFF2-40B4-BE49-F238E27FC236}">
+                <a16:creationId xmlns:a16="http://schemas.microsoft.com/office/drawing/2014/main" id="{A472C940-CC7A-4CD6-A08F-4B8DE6D9B1C5}"/>
+              </a:ext>
+            </a:extLst>
+          </p:cNvPr>
+          <p:cNvPicPr>
+            <a:picLocks noChangeAspect="1"/>
+          </p:cNvPicPr>
+          <p:nvPr/>
+        </p:nvPicPr>
+        <p:blipFill rotWithShape="1">
+          <a:blip r:embed="rId2"/>
+          <a:srcRect l="37116" t="29059" r="37115" b="31966"/>
+          <a:stretch/>
+        </p:blipFill>
+        <p:spPr>
+          <a:xfrm>
+            <a:off x="7204633" y="3918978"/>
+            <a:ext cx="3260691" cy="2774022"/>
+          </a:xfrm>
+          <a:prstGeom prst="rect">
+            <a:avLst/>
+          </a:prstGeom>
+        </p:spPr>
+      </p:pic>
+      <p:pic>
+        <p:nvPicPr>
+          <p:cNvPr id="6" name="Picture 5">
+            <a:extLst>
+              <a:ext uri="{FF2B5EF4-FFF2-40B4-BE49-F238E27FC236}">
+                <a16:creationId xmlns:a16="http://schemas.microsoft.com/office/drawing/2014/main" id="{68E1AA52-2744-4028-ABF5-3EA9D623045B}"/>
+              </a:ext>
+            </a:extLst>
+          </p:cNvPr>
+          <p:cNvPicPr>
+            <a:picLocks noChangeAspect="1"/>
+          </p:cNvPicPr>
+          <p:nvPr/>
+        </p:nvPicPr>
+        <p:blipFill rotWithShape="1">
+          <a:blip r:embed="rId3"/>
+          <a:srcRect l="29230" t="11740" r="33782" b="47463"/>
+          <a:stretch/>
+        </p:blipFill>
+        <p:spPr>
+          <a:xfrm>
+            <a:off x="5881852" y="165000"/>
+            <a:ext cx="5906255" cy="3664538"/>
+          </a:xfrm>
+          <a:prstGeom prst="rect">
+            <a:avLst/>
+          </a:prstGeom>
+        </p:spPr>
+      </p:pic>
+    </p:spTree>
+    <p:extLst>
+      <p:ext uri="{BB962C8B-B14F-4D97-AF65-F5344CB8AC3E}">
+        <p14:creationId xmlns:p14="http://schemas.microsoft.com/office/powerpoint/2010/main" val="3424284833"/>
+      </p:ext>
+    </p:extLst>
+  </p:cSld>
+  <p:clrMapOvr>
+    <a:masterClrMapping/>
+  </p:clrMapOvr>
+</p:sld>
+</file>
+
+<file path=ppt/slides/slide5.xml><?xml version="1.0" encoding="utf-8"?>
+<p:sld xmlns:a="http://schemas.openxmlformats.org/drawingml/2006/main" xmlns:r="http://schemas.openxmlformats.org/officeDocument/2006/relationships" xmlns:p="http://schemas.openxmlformats.org/presentationml/2006/main">
+  <p:cSld>
+    <p:spTree>
+      <p:nvGrpSpPr>
+        <p:cNvPr id="1" name=""/>
+        <p:cNvGrpSpPr/>
+        <p:nvPr/>
+      </p:nvGrpSpPr>
+      <p:grpSpPr>
+        <a:xfrm>
+          <a:off x="0" y="0"/>
+          <a:ext cx="0" cy="0"/>
+          <a:chOff x="0" y="0"/>
+          <a:chExt cx="0" cy="0"/>
+        </a:xfrm>
+      </p:grpSpPr>
+      <p:sp>
+        <p:nvSpPr>
+          <p:cNvPr id="2" name="Title 1">
+            <a:extLst>
+              <a:ext uri="{FF2B5EF4-FFF2-40B4-BE49-F238E27FC236}">
                 <a16:creationId xmlns:a16="http://schemas.microsoft.com/office/drawing/2014/main" id="{61805524-181E-4719-9864-EC5DDF93FEC2}"/>
               </a:ext>
             </a:extLst>
@@ -6524,36 +6713,6 @@
               <a:rPr lang="sk-SK" dirty="0"/>
               <a:t>Problém</a:t>
             </a:r>
-          </a:p>
-        </p:txBody>
-      </p:sp>
-      <p:sp>
-        <p:nvSpPr>
-          <p:cNvPr id="6" name="Text Placeholder 5">
-            <a:extLst>
-              <a:ext uri="{FF2B5EF4-FFF2-40B4-BE49-F238E27FC236}">
-                <a16:creationId xmlns:a16="http://schemas.microsoft.com/office/drawing/2014/main" id="{C6082346-6332-4A87-A660-ADAA7BD21211}"/>
-              </a:ext>
-            </a:extLst>
-          </p:cNvPr>
-          <p:cNvSpPr>
-            <a:spLocks noGrp="1"/>
-          </p:cNvSpPr>
-          <p:nvPr>
-            <p:ph type="body" idx="1"/>
-          </p:nvPr>
-        </p:nvSpPr>
-        <p:spPr>
-          <a:xfrm>
-            <a:off x="764186" y="2568600"/>
-            <a:ext cx="8825659" cy="860400"/>
-          </a:xfrm>
-        </p:spPr>
-        <p:txBody>
-          <a:bodyPr/>
-          <a:lstStyle/>
-          <a:p>
-            <a:endParaRPr lang="sk-SK" dirty="0"/>
           </a:p>
         </p:txBody>
       </p:sp>
@@ -6656,7 +6815,7 @@
 </p:sld>
 </file>
 
-<file path=ppt/slides/slide5.xml><?xml version="1.0" encoding="utf-8"?>
+<file path=ppt/slides/slide6.xml><?xml version="1.0" encoding="utf-8"?>
 <p:sld xmlns:a="http://schemas.openxmlformats.org/drawingml/2006/main" xmlns:r="http://schemas.openxmlformats.org/officeDocument/2006/relationships" xmlns:p="http://schemas.openxmlformats.org/presentationml/2006/main">
   <p:cSld>
     <p:spTree>
